--- a/53 - To Thy Temple We Repair.pptx
+++ b/53 - To Thy Temple We Repair.pptx
@@ -244,7 +244,7 @@
           <a:p>
             <a:fld id="{32F7251A-AE54-443C-B8FE-5F636E835EBF}" type="datetimeFigureOut">
               <a:rPr lang="en-US" smtClean="0"/>
-              <a:t>7/15/2018</a:t>
+              <a:t>7/5/2020</a:t>
             </a:fld>
             <a:endParaRPr lang="en-US"/>
           </a:p>
@@ -412,7 +412,7 @@
           <a:p>
             <a:fld id="{32F7251A-AE54-443C-B8FE-5F636E835EBF}" type="datetimeFigureOut">
               <a:rPr lang="en-US" smtClean="0"/>
-              <a:t>7/15/2018</a:t>
+              <a:t>7/5/2020</a:t>
             </a:fld>
             <a:endParaRPr lang="en-US"/>
           </a:p>
@@ -590,7 +590,7 @@
           <a:p>
             <a:fld id="{32F7251A-AE54-443C-B8FE-5F636E835EBF}" type="datetimeFigureOut">
               <a:rPr lang="en-US" smtClean="0"/>
-              <a:t>7/15/2018</a:t>
+              <a:t>7/5/2020</a:t>
             </a:fld>
             <a:endParaRPr lang="en-US"/>
           </a:p>
@@ -758,7 +758,7 @@
           <a:p>
             <a:fld id="{32F7251A-AE54-443C-B8FE-5F636E835EBF}" type="datetimeFigureOut">
               <a:rPr lang="en-US" smtClean="0"/>
-              <a:t>7/15/2018</a:t>
+              <a:t>7/5/2020</a:t>
             </a:fld>
             <a:endParaRPr lang="en-US"/>
           </a:p>
@@ -1003,7 +1003,7 @@
           <a:p>
             <a:fld id="{32F7251A-AE54-443C-B8FE-5F636E835EBF}" type="datetimeFigureOut">
               <a:rPr lang="en-US" smtClean="0"/>
-              <a:t>7/15/2018</a:t>
+              <a:t>7/5/2020</a:t>
             </a:fld>
             <a:endParaRPr lang="en-US"/>
           </a:p>
@@ -1232,7 +1232,7 @@
           <a:p>
             <a:fld id="{32F7251A-AE54-443C-B8FE-5F636E835EBF}" type="datetimeFigureOut">
               <a:rPr lang="en-US" smtClean="0"/>
-              <a:t>7/15/2018</a:t>
+              <a:t>7/5/2020</a:t>
             </a:fld>
             <a:endParaRPr lang="en-US"/>
           </a:p>
@@ -1596,7 +1596,7 @@
           <a:p>
             <a:fld id="{32F7251A-AE54-443C-B8FE-5F636E835EBF}" type="datetimeFigureOut">
               <a:rPr lang="en-US" smtClean="0"/>
-              <a:t>7/15/2018</a:t>
+              <a:t>7/5/2020</a:t>
             </a:fld>
             <a:endParaRPr lang="en-US"/>
           </a:p>
@@ -1713,7 +1713,7 @@
           <a:p>
             <a:fld id="{32F7251A-AE54-443C-B8FE-5F636E835EBF}" type="datetimeFigureOut">
               <a:rPr lang="en-US" smtClean="0"/>
-              <a:t>7/15/2018</a:t>
+              <a:t>7/5/2020</a:t>
             </a:fld>
             <a:endParaRPr lang="en-US"/>
           </a:p>
@@ -1808,7 +1808,7 @@
           <a:p>
             <a:fld id="{32F7251A-AE54-443C-B8FE-5F636E835EBF}" type="datetimeFigureOut">
               <a:rPr lang="en-US" smtClean="0"/>
-              <a:t>7/15/2018</a:t>
+              <a:t>7/5/2020</a:t>
             </a:fld>
             <a:endParaRPr lang="en-US"/>
           </a:p>
@@ -2083,7 +2083,7 @@
           <a:p>
             <a:fld id="{32F7251A-AE54-443C-B8FE-5F636E835EBF}" type="datetimeFigureOut">
               <a:rPr lang="en-US" smtClean="0"/>
-              <a:t>7/15/2018</a:t>
+              <a:t>7/5/2020</a:t>
             </a:fld>
             <a:endParaRPr lang="en-US"/>
           </a:p>
@@ -2335,7 +2335,7 @@
           <a:p>
             <a:fld id="{32F7251A-AE54-443C-B8FE-5F636E835EBF}" type="datetimeFigureOut">
               <a:rPr lang="en-US" smtClean="0"/>
-              <a:t>7/15/2018</a:t>
+              <a:t>7/5/2020</a:t>
             </a:fld>
             <a:endParaRPr lang="en-US"/>
           </a:p>
@@ -2402,7 +2402,9 @@
     <p:bg>
       <p:bgPr>
         <a:solidFill>
-          <a:srgbClr val="333333"/>
+          <a:schemeClr val="bg1">
+            <a:lumMod val="10000"/>
+          </a:schemeClr>
         </a:solidFill>
         <a:effectLst/>
       </p:bgPr>
@@ -2549,7 +2551,7 @@
           <a:p>
             <a:fld id="{32F7251A-AE54-443C-B8FE-5F636E835EBF}" type="datetimeFigureOut">
               <a:rPr lang="en-US" smtClean="0"/>
-              <a:t>7/15/2018</a:t>
+              <a:t>7/5/2020</a:t>
             </a:fld>
             <a:endParaRPr lang="en-US"/>
           </a:p>
@@ -3019,8 +3021,8 @@
         </p:nvSpPr>
         <p:spPr>
           <a:xfrm>
-            <a:off x="0" y="5804209"/>
-            <a:ext cx="12192000" cy="830997"/>
+            <a:off x="0" y="5927320"/>
+            <a:ext cx="12192000" cy="584775"/>
           </a:xfrm>
           <a:prstGeom prst="rect">
             <a:avLst/>
@@ -3035,10 +3037,12 @@
           <a:p>
             <a:pPr algn="ctr"/>
             <a:r>
-              <a:rPr lang="en-US" sz="4800" dirty="0">
+              <a:rPr lang="en-US" sz="3200" u="sng" dirty="0">
                 <a:solidFill>
                   <a:schemeClr val="bg1"/>
                 </a:solidFill>
+                <a:latin typeface="Assistant SemiBold" panose="00000700000000000000" pitchFamily="2" charset="-79"/>
+                <a:cs typeface="Assistant SemiBold" panose="00000700000000000000" pitchFamily="2" charset="-79"/>
               </a:rPr>
               <a:t>“To Thy Temple We Repair”</a:t>
             </a:r>
@@ -3054,7 +3058,7 @@
         <p:spPr>
           <a:xfrm>
             <a:off x="0" y="1254332"/>
-            <a:ext cx="12192000" cy="2862322"/>
+            <a:ext cx="12192000" cy="2246769"/>
           </a:xfrm>
           <a:prstGeom prst="rect">
             <a:avLst/>
@@ -3069,10 +3073,12 @@
           <a:p>
             <a:pPr algn="ctr"/>
             <a:r>
-              <a:rPr lang="en-US" sz="3600" dirty="0">
+              <a:rPr lang="en-US" sz="2800" spc="50" dirty="0">
                 <a:solidFill>
                   <a:schemeClr val="bg1"/>
                 </a:solidFill>
+                <a:latin typeface="Assistant" panose="00000500000000000000" pitchFamily="2" charset="-79"/>
+                <a:cs typeface="Assistant" panose="00000500000000000000" pitchFamily="2" charset="-79"/>
               </a:rPr>
               <a:t>To Thy temple we repair;</a:t>
             </a:r>
@@ -3080,10 +3086,12 @@
           <a:p>
             <a:pPr algn="ctr"/>
             <a:r>
-              <a:rPr lang="en-US" sz="3600" dirty="0">
+              <a:rPr lang="en-US" sz="2800" spc="50" dirty="0">
                 <a:solidFill>
                   <a:schemeClr val="bg1"/>
                 </a:solidFill>
+                <a:latin typeface="Assistant" panose="00000500000000000000" pitchFamily="2" charset="-79"/>
+                <a:cs typeface="Assistant" panose="00000500000000000000" pitchFamily="2" charset="-79"/>
               </a:rPr>
               <a:t>Lord, we love to worship there;</a:t>
             </a:r>
@@ -3091,10 +3099,12 @@
           <a:p>
             <a:pPr algn="ctr"/>
             <a:r>
-              <a:rPr lang="en-US" sz="3600" dirty="0">
+              <a:rPr lang="en-US" sz="2800" spc="50" dirty="0">
                 <a:solidFill>
                   <a:schemeClr val="bg1"/>
                 </a:solidFill>
+                <a:latin typeface="Assistant" panose="00000500000000000000" pitchFamily="2" charset="-79"/>
+                <a:cs typeface="Assistant" panose="00000500000000000000" pitchFamily="2" charset="-79"/>
               </a:rPr>
               <a:t>While to Thee our prayers ascend,</a:t>
             </a:r>
@@ -3102,10 +3112,12 @@
           <a:p>
             <a:pPr algn="ctr"/>
             <a:r>
-              <a:rPr lang="en-US" sz="3600" dirty="0">
+              <a:rPr lang="en-US" sz="2800" spc="50" dirty="0">
                 <a:solidFill>
                   <a:schemeClr val="bg1"/>
                 </a:solidFill>
+                <a:latin typeface="Assistant" panose="00000500000000000000" pitchFamily="2" charset="-79"/>
+                <a:cs typeface="Assistant" panose="00000500000000000000" pitchFamily="2" charset="-79"/>
               </a:rPr>
               <a:t>Let Thine ear in love attend;</a:t>
             </a:r>
@@ -3113,10 +3125,12 @@
           <a:p>
             <a:pPr algn="ctr"/>
             <a:r>
-              <a:rPr lang="en-US" sz="3600" dirty="0">
+              <a:rPr lang="en-US" sz="2800" spc="50" dirty="0">
                 <a:solidFill>
                   <a:schemeClr val="bg1"/>
                 </a:solidFill>
+                <a:latin typeface="Assistant" panose="00000500000000000000" pitchFamily="2" charset="-79"/>
+                <a:cs typeface="Assistant" panose="00000500000000000000" pitchFamily="2" charset="-79"/>
               </a:rPr>
               <a:t>Let Thine ear in love attend.</a:t>
             </a:r>
@@ -3218,8 +3232,8 @@
         </p:nvSpPr>
         <p:spPr>
           <a:xfrm>
-            <a:off x="0" y="5804209"/>
-            <a:ext cx="12192000" cy="830997"/>
+            <a:off x="0" y="5927320"/>
+            <a:ext cx="12192000" cy="584775"/>
           </a:xfrm>
           <a:prstGeom prst="rect">
             <a:avLst/>
@@ -3234,10 +3248,12 @@
           <a:p>
             <a:pPr algn="ctr"/>
             <a:r>
-              <a:rPr lang="en-US" sz="4800" dirty="0">
+              <a:rPr lang="en-US" sz="3200" u="sng" dirty="0">
                 <a:solidFill>
                   <a:schemeClr val="bg1"/>
                 </a:solidFill>
+                <a:latin typeface="Assistant SemiBold" panose="00000700000000000000" pitchFamily="2" charset="-79"/>
+                <a:cs typeface="Assistant SemiBold" panose="00000700000000000000" pitchFamily="2" charset="-79"/>
               </a:rPr>
               <a:t>“To Thy Temple We Repair”</a:t>
             </a:r>
@@ -3253,7 +3269,7 @@
         <p:spPr>
           <a:xfrm>
             <a:off x="0" y="1254332"/>
-            <a:ext cx="12192000" cy="2862322"/>
+            <a:ext cx="12192000" cy="2246769"/>
           </a:xfrm>
           <a:prstGeom prst="rect">
             <a:avLst/>
@@ -3268,10 +3284,12 @@
           <a:p>
             <a:pPr algn="ctr"/>
             <a:r>
-              <a:rPr lang="en-US" sz="3600" dirty="0">
+              <a:rPr lang="en-US" sz="2800" spc="50" dirty="0">
                 <a:solidFill>
                   <a:schemeClr val="bg1"/>
                 </a:solidFill>
+                <a:latin typeface="Assistant" panose="00000500000000000000" pitchFamily="2" charset="-79"/>
+                <a:cs typeface="Assistant" panose="00000500000000000000" pitchFamily="2" charset="-79"/>
               </a:rPr>
               <a:t>While Thy glorious name is sung,</a:t>
             </a:r>
@@ -3279,10 +3297,12 @@
           <a:p>
             <a:pPr algn="ctr"/>
             <a:r>
-              <a:rPr lang="en-US" sz="3600" dirty="0">
+              <a:rPr lang="en-US" sz="2800" spc="50" dirty="0">
                 <a:solidFill>
                   <a:schemeClr val="bg1"/>
                 </a:solidFill>
+                <a:latin typeface="Assistant" panose="00000500000000000000" pitchFamily="2" charset="-79"/>
+                <a:cs typeface="Assistant" panose="00000500000000000000" pitchFamily="2" charset="-79"/>
               </a:rPr>
               <a:t>Tune our lips, inspire each tongue;</a:t>
             </a:r>
@@ -3290,10 +3310,12 @@
           <a:p>
             <a:pPr algn="ctr"/>
             <a:r>
-              <a:rPr lang="en-US" sz="3600" dirty="0">
+              <a:rPr lang="en-US" sz="2800" spc="50" dirty="0">
                 <a:solidFill>
                   <a:schemeClr val="bg1"/>
                 </a:solidFill>
+                <a:latin typeface="Assistant" panose="00000500000000000000" pitchFamily="2" charset="-79"/>
+                <a:cs typeface="Assistant" panose="00000500000000000000" pitchFamily="2" charset="-79"/>
               </a:rPr>
               <a:t>Then our joyful souls shall bless</a:t>
             </a:r>
@@ -3301,10 +3323,12 @@
           <a:p>
             <a:pPr algn="ctr"/>
             <a:r>
-              <a:rPr lang="en-US" sz="3600" dirty="0">
+              <a:rPr lang="en-US" sz="2800" spc="50" dirty="0">
                 <a:solidFill>
                   <a:schemeClr val="bg1"/>
                 </a:solidFill>
+                <a:latin typeface="Assistant" panose="00000500000000000000" pitchFamily="2" charset="-79"/>
+                <a:cs typeface="Assistant" panose="00000500000000000000" pitchFamily="2" charset="-79"/>
               </a:rPr>
               <a:t>Christ, the Lord, our Righteousness, </a:t>
             </a:r>
@@ -3312,10 +3336,12 @@
           <a:p>
             <a:pPr algn="ctr"/>
             <a:r>
-              <a:rPr lang="en-US" sz="3600" dirty="0">
+              <a:rPr lang="en-US" sz="2800" spc="50" dirty="0">
                 <a:solidFill>
                   <a:schemeClr val="bg1"/>
                 </a:solidFill>
+                <a:latin typeface="Assistant" panose="00000500000000000000" pitchFamily="2" charset="-79"/>
+                <a:cs typeface="Assistant" panose="00000500000000000000" pitchFamily="2" charset="-79"/>
               </a:rPr>
               <a:t>Christ the Lord, our Righteousness.</a:t>
             </a:r>
@@ -3417,8 +3443,8 @@
         </p:nvSpPr>
         <p:spPr>
           <a:xfrm>
-            <a:off x="0" y="5804209"/>
-            <a:ext cx="12192000" cy="830997"/>
+            <a:off x="0" y="5927320"/>
+            <a:ext cx="12192000" cy="584775"/>
           </a:xfrm>
           <a:prstGeom prst="rect">
             <a:avLst/>
@@ -3433,10 +3459,12 @@
           <a:p>
             <a:pPr algn="ctr"/>
             <a:r>
-              <a:rPr lang="en-US" sz="4800" dirty="0">
+              <a:rPr lang="en-US" sz="3200" u="sng" dirty="0">
                 <a:solidFill>
                   <a:schemeClr val="bg1"/>
                 </a:solidFill>
+                <a:latin typeface="Assistant SemiBold" panose="00000700000000000000" pitchFamily="2" charset="-79"/>
+                <a:cs typeface="Assistant SemiBold" panose="00000700000000000000" pitchFamily="2" charset="-79"/>
               </a:rPr>
               <a:t>“To Thy Temple We Repair”</a:t>
             </a:r>
@@ -3452,7 +3480,7 @@
         <p:spPr>
           <a:xfrm>
             <a:off x="0" y="1254332"/>
-            <a:ext cx="12192000" cy="2862322"/>
+            <a:ext cx="12192000" cy="2246769"/>
           </a:xfrm>
           <a:prstGeom prst="rect">
             <a:avLst/>
@@ -3467,10 +3495,12 @@
           <a:p>
             <a:pPr algn="ctr"/>
             <a:r>
-              <a:rPr lang="en-US" sz="3600" dirty="0">
+              <a:rPr lang="en-US" sz="2800" spc="50" dirty="0">
                 <a:solidFill>
                   <a:schemeClr val="bg1"/>
                 </a:solidFill>
+                <a:latin typeface="Assistant" panose="00000500000000000000" pitchFamily="2" charset="-79"/>
+                <a:cs typeface="Assistant" panose="00000500000000000000" pitchFamily="2" charset="-79"/>
               </a:rPr>
               <a:t>While Thy word is heard with awe,</a:t>
             </a:r>
@@ -3478,10 +3508,12 @@
           <a:p>
             <a:pPr algn="ctr"/>
             <a:r>
-              <a:rPr lang="en-US" sz="3600" dirty="0">
+              <a:rPr lang="en-US" sz="2800" spc="50" dirty="0">
                 <a:solidFill>
                   <a:schemeClr val="bg1"/>
                 </a:solidFill>
+                <a:latin typeface="Assistant" panose="00000500000000000000" pitchFamily="2" charset="-79"/>
+                <a:cs typeface="Assistant" panose="00000500000000000000" pitchFamily="2" charset="-79"/>
               </a:rPr>
               <a:t>While we tremble at Thy law,</a:t>
             </a:r>
@@ -3489,10 +3521,12 @@
           <a:p>
             <a:pPr algn="ctr"/>
             <a:r>
-              <a:rPr lang="en-US" sz="3600" dirty="0">
+              <a:rPr lang="en-US" sz="2800" spc="50" dirty="0">
                 <a:solidFill>
                   <a:schemeClr val="bg1"/>
                 </a:solidFill>
+                <a:latin typeface="Assistant" panose="00000500000000000000" pitchFamily="2" charset="-79"/>
+                <a:cs typeface="Assistant" panose="00000500000000000000" pitchFamily="2" charset="-79"/>
               </a:rPr>
               <a:t>Let Thy gospel’s wondrous love</a:t>
             </a:r>
@@ -3500,10 +3534,12 @@
           <a:p>
             <a:pPr algn="ctr"/>
             <a:r>
-              <a:rPr lang="en-US" sz="3600" dirty="0">
+              <a:rPr lang="en-US" sz="2800" spc="50" dirty="0">
                 <a:solidFill>
                   <a:schemeClr val="bg1"/>
                 </a:solidFill>
+                <a:latin typeface="Assistant" panose="00000500000000000000" pitchFamily="2" charset="-79"/>
+                <a:cs typeface="Assistant" panose="00000500000000000000" pitchFamily="2" charset="-79"/>
               </a:rPr>
               <a:t>Every doubt and fear remove;</a:t>
             </a:r>
@@ -3511,10 +3547,12 @@
           <a:p>
             <a:pPr algn="ctr"/>
             <a:r>
-              <a:rPr lang="en-US" sz="3600" dirty="0">
+              <a:rPr lang="en-US" sz="2800" spc="50" dirty="0">
                 <a:solidFill>
                   <a:schemeClr val="bg1"/>
                 </a:solidFill>
+                <a:latin typeface="Assistant" panose="00000500000000000000" pitchFamily="2" charset="-79"/>
+                <a:cs typeface="Assistant" panose="00000500000000000000" pitchFamily="2" charset="-79"/>
               </a:rPr>
               <a:t>Every doubt and fear remove.</a:t>
             </a:r>
@@ -3616,8 +3654,8 @@
         </p:nvSpPr>
         <p:spPr>
           <a:xfrm>
-            <a:off x="0" y="5804209"/>
-            <a:ext cx="12192000" cy="830997"/>
+            <a:off x="0" y="5927320"/>
+            <a:ext cx="12192000" cy="584775"/>
           </a:xfrm>
           <a:prstGeom prst="rect">
             <a:avLst/>
@@ -3632,10 +3670,12 @@
           <a:p>
             <a:pPr algn="ctr"/>
             <a:r>
-              <a:rPr lang="en-US" sz="4800" dirty="0">
+              <a:rPr lang="en-US" sz="3200" u="sng" dirty="0">
                 <a:solidFill>
                   <a:schemeClr val="bg1"/>
                 </a:solidFill>
+                <a:latin typeface="Assistant SemiBold" panose="00000700000000000000" pitchFamily="2" charset="-79"/>
+                <a:cs typeface="Assistant SemiBold" panose="00000700000000000000" pitchFamily="2" charset="-79"/>
               </a:rPr>
               <a:t>“To Thy Temple We Repair”</a:t>
             </a:r>
@@ -3651,7 +3691,7 @@
         <p:spPr>
           <a:xfrm>
             <a:off x="0" y="1254332"/>
-            <a:ext cx="12192000" cy="2862322"/>
+            <a:ext cx="12192000" cy="2246769"/>
           </a:xfrm>
           <a:prstGeom prst="rect">
             <a:avLst/>
@@ -3666,10 +3706,12 @@
           <a:p>
             <a:pPr algn="ctr"/>
             <a:r>
-              <a:rPr lang="en-US" sz="3600" dirty="0">
+              <a:rPr lang="en-US" sz="2800" spc="50" dirty="0">
                 <a:solidFill>
                   <a:schemeClr val="bg1"/>
                 </a:solidFill>
+                <a:latin typeface="Assistant" panose="00000500000000000000" pitchFamily="2" charset="-79"/>
+                <a:cs typeface="Assistant" panose="00000500000000000000" pitchFamily="2" charset="-79"/>
               </a:rPr>
               <a:t>From Thy house when we return,</a:t>
             </a:r>
@@ -3677,10 +3719,12 @@
           <a:p>
             <a:pPr algn="ctr"/>
             <a:r>
-              <a:rPr lang="en-US" sz="3600" dirty="0">
+              <a:rPr lang="en-US" sz="2800" spc="50" dirty="0">
                 <a:solidFill>
                   <a:schemeClr val="bg1"/>
                 </a:solidFill>
+                <a:latin typeface="Assistant" panose="00000500000000000000" pitchFamily="2" charset="-79"/>
+                <a:cs typeface="Assistant" panose="00000500000000000000" pitchFamily="2" charset="-79"/>
               </a:rPr>
               <a:t>Let our hearts within us burn;</a:t>
             </a:r>
@@ -3688,10 +3732,12 @@
           <a:p>
             <a:pPr algn="ctr"/>
             <a:r>
-              <a:rPr lang="en-US" sz="3600" dirty="0">
+              <a:rPr lang="en-US" sz="2800" spc="50" dirty="0">
                 <a:solidFill>
                   <a:schemeClr val="bg1"/>
                 </a:solidFill>
+                <a:latin typeface="Assistant" panose="00000500000000000000" pitchFamily="2" charset="-79"/>
+                <a:cs typeface="Assistant" panose="00000500000000000000" pitchFamily="2" charset="-79"/>
               </a:rPr>
               <a:t>Then at evening we may say,</a:t>
             </a:r>
@@ -3699,10 +3745,12 @@
           <a:p>
             <a:pPr algn="ctr"/>
             <a:r>
-              <a:rPr lang="en-US" sz="3600" dirty="0">
+              <a:rPr lang="en-US" sz="2800" spc="50" dirty="0">
                 <a:solidFill>
                   <a:schemeClr val="bg1"/>
                 </a:solidFill>
+                <a:latin typeface="Assistant" panose="00000500000000000000" pitchFamily="2" charset="-79"/>
+                <a:cs typeface="Assistant" panose="00000500000000000000" pitchFamily="2" charset="-79"/>
               </a:rPr>
               <a:t>“We have walked with God today;</a:t>
             </a:r>
@@ -3710,10 +3758,12 @@
           <a:p>
             <a:pPr algn="ctr"/>
             <a:r>
-              <a:rPr lang="en-US" sz="3600" dirty="0">
+              <a:rPr lang="en-US" sz="2800" spc="50" dirty="0">
                 <a:solidFill>
                   <a:schemeClr val="bg1"/>
                 </a:solidFill>
+                <a:latin typeface="Assistant" panose="00000500000000000000" pitchFamily="2" charset="-79"/>
+                <a:cs typeface="Assistant" panose="00000500000000000000" pitchFamily="2" charset="-79"/>
               </a:rPr>
               <a:t>We have walked with God today.”</a:t>
             </a:r>
